--- a/Presentation Slides/Washington State Data Breach Assessment.pptx
+++ b/Presentation Slides/Washington State Data Breach Assessment.pptx
@@ -5158,7 +5158,7 @@
           <a:p>
             <a:fld id="{89A84F17-E496-4B98-89FF-B3743BD2F92B}" type="datetimeFigureOut">
               <a:rPr lang="en-US" smtClean="0"/>
-              <a:t>10/9/2023</a:t>
+              <a:t>10/10/2023</a:t>
             </a:fld>
             <a:endParaRPr lang="en-US"/>
           </a:p>
@@ -6946,7 +6946,7 @@
           <a:p>
             <a:fld id="{A94694AE-2374-4581-A99C-C358286D923E}" type="datetimeFigureOut">
               <a:rPr lang="en-US" smtClean="0"/>
-              <a:t>10/9/2023</a:t>
+              <a:t>10/10/2023</a:t>
             </a:fld>
             <a:endParaRPr lang="en-US"/>
           </a:p>
@@ -7144,7 +7144,7 @@
           <a:p>
             <a:fld id="{A94694AE-2374-4581-A99C-C358286D923E}" type="datetimeFigureOut">
               <a:rPr lang="en-US" smtClean="0"/>
-              <a:t>10/9/2023</a:t>
+              <a:t>10/10/2023</a:t>
             </a:fld>
             <a:endParaRPr lang="en-US"/>
           </a:p>
@@ -7352,7 +7352,7 @@
           <a:p>
             <a:fld id="{A94694AE-2374-4581-A99C-C358286D923E}" type="datetimeFigureOut">
               <a:rPr lang="en-US" smtClean="0"/>
-              <a:t>10/9/2023</a:t>
+              <a:t>10/10/2023</a:t>
             </a:fld>
             <a:endParaRPr lang="en-US"/>
           </a:p>
@@ -7550,7 +7550,7 @@
           <a:p>
             <a:fld id="{A94694AE-2374-4581-A99C-C358286D923E}" type="datetimeFigureOut">
               <a:rPr lang="en-US" smtClean="0"/>
-              <a:t>10/9/2023</a:t>
+              <a:t>10/10/2023</a:t>
             </a:fld>
             <a:endParaRPr lang="en-US"/>
           </a:p>
@@ -7825,7 +7825,7 @@
           <a:p>
             <a:fld id="{A94694AE-2374-4581-A99C-C358286D923E}" type="datetimeFigureOut">
               <a:rPr lang="en-US" smtClean="0"/>
-              <a:t>10/9/2023</a:t>
+              <a:t>10/10/2023</a:t>
             </a:fld>
             <a:endParaRPr lang="en-US"/>
           </a:p>
@@ -8090,7 +8090,7 @@
           <a:p>
             <a:fld id="{A94694AE-2374-4581-A99C-C358286D923E}" type="datetimeFigureOut">
               <a:rPr lang="en-US" smtClean="0"/>
-              <a:t>10/9/2023</a:t>
+              <a:t>10/10/2023</a:t>
             </a:fld>
             <a:endParaRPr lang="en-US"/>
           </a:p>
@@ -8502,7 +8502,7 @@
           <a:p>
             <a:fld id="{A94694AE-2374-4581-A99C-C358286D923E}" type="datetimeFigureOut">
               <a:rPr lang="en-US" smtClean="0"/>
-              <a:t>10/9/2023</a:t>
+              <a:t>10/10/2023</a:t>
             </a:fld>
             <a:endParaRPr lang="en-US"/>
           </a:p>
@@ -8643,7 +8643,7 @@
           <a:p>
             <a:fld id="{A94694AE-2374-4581-A99C-C358286D923E}" type="datetimeFigureOut">
               <a:rPr lang="en-US" smtClean="0"/>
-              <a:t>10/9/2023</a:t>
+              <a:t>10/10/2023</a:t>
             </a:fld>
             <a:endParaRPr lang="en-US"/>
           </a:p>
@@ -8756,7 +8756,7 @@
           <a:p>
             <a:fld id="{A94694AE-2374-4581-A99C-C358286D923E}" type="datetimeFigureOut">
               <a:rPr lang="en-US" smtClean="0"/>
-              <a:t>10/9/2023</a:t>
+              <a:t>10/10/2023</a:t>
             </a:fld>
             <a:endParaRPr lang="en-US"/>
           </a:p>
@@ -9067,7 +9067,7 @@
           <a:p>
             <a:fld id="{A94694AE-2374-4581-A99C-C358286D923E}" type="datetimeFigureOut">
               <a:rPr lang="en-US" smtClean="0"/>
-              <a:t>10/9/2023</a:t>
+              <a:t>10/10/2023</a:t>
             </a:fld>
             <a:endParaRPr lang="en-US"/>
           </a:p>
@@ -9355,7 +9355,7 @@
           <a:p>
             <a:fld id="{A94694AE-2374-4581-A99C-C358286D923E}" type="datetimeFigureOut">
               <a:rPr lang="en-US" smtClean="0"/>
-              <a:t>10/9/2023</a:t>
+              <a:t>10/10/2023</a:t>
             </a:fld>
             <a:endParaRPr lang="en-US"/>
           </a:p>
@@ -9596,7 +9596,7 @@
           <a:p>
             <a:fld id="{A94694AE-2374-4581-A99C-C358286D923E}" type="datetimeFigureOut">
               <a:rPr lang="en-US" smtClean="0"/>
-              <a:t>10/9/2023</a:t>
+              <a:t>10/10/2023</a:t>
             </a:fld>
             <a:endParaRPr lang="en-US"/>
           </a:p>
@@ -12782,19 +12782,19 @@
               <a:rPr lang="en-US" sz="1800" b="0" i="0" dirty="0">
                 <a:effectLst/>
               </a:rPr>
-              <a:t>The single </a:t>
+              <a:t>The </a:t>
             </a:r>
             <a:r>
-              <a:rPr lang="en-US" sz="1800" b="0" i="0" dirty="0" err="1">
+              <a:rPr lang="en-US" sz="1800" b="0" i="0">
                 <a:effectLst/>
               </a:rPr>
-              <a:t>greates</a:t>
+              <a:t>single greatest </a:t>
             </a:r>
             <a:r>
               <a:rPr lang="en-US" sz="1800" b="0" i="0" dirty="0">
                 <a:effectLst/>
               </a:rPr>
-              <a:t> outlier makes up 1/3 of the total number affected.</a:t>
+              <a:t>outlier makes up 1/3 of the total number affected.</a:t>
             </a:r>
             <a:endParaRPr lang="en-US" sz="1800" dirty="0"/>
           </a:p>
